--- a/PRESENTATIONS/Whitaker_PdocMasterClass_April2016.pptx
+++ b/PRESENTATIONS/Whitaker_PdocMasterClass_April2016.pptx
@@ -8672,6 +8672,43 @@
           </a:p>
         </p:txBody>
       </p:sp>
+      <p:sp>
+        <p:nvSpPr>
+          <p:cNvPr id="3" name="TextBox 2"/>
+          <p:cNvSpPr txBox="1"/>
+          <p:nvPr/>
+        </p:nvSpPr>
+        <p:spPr>
+          <a:xfrm>
+            <a:off x="2196369" y="4481867"/>
+            <a:ext cx="8178999" cy="461665"/>
+          </a:xfrm>
+          <a:prstGeom prst="rect">
+            <a:avLst/>
+          </a:prstGeom>
+          <a:noFill/>
+        </p:spPr>
+        <p:txBody>
+          <a:bodyPr wrap="square" rtlCol="0">
+            <a:spAutoFit/>
+          </a:bodyPr>
+          <a:lstStyle/>
+          <a:p>
+            <a:pPr algn="ctr"/>
+            <a:r>
+              <a:rPr lang="en-GB" sz="2400" dirty="0">
+                <a:solidFill>
+                  <a:schemeClr val="bg1">
+                    <a:lumMod val="50000"/>
+                  </a:schemeClr>
+                </a:solidFill>
+                <a:latin typeface="Gill Sans MT" panose="020B0502020104020203" pitchFamily="34" charset="0"/>
+              </a:rPr>
+              <a:t>http://stackoverflow.com</a:t>
+            </a:r>
+          </a:p>
+        </p:txBody>
+      </p:sp>
     </p:spTree>
     <p:extLst>
       <p:ext uri="{BB962C8B-B14F-4D97-AF65-F5344CB8AC3E}">
@@ -8993,6 +9030,43 @@
                 <a:latin typeface="Gill Sans MT" panose="020B0502020104020203" pitchFamily="34" charset="0"/>
               </a:rPr>
               <a:t>R Studio</a:t>
+            </a:r>
+          </a:p>
+        </p:txBody>
+      </p:sp>
+      <p:sp>
+        <p:nvSpPr>
+          <p:cNvPr id="5" name="TextBox 4"/>
+          <p:cNvSpPr txBox="1"/>
+          <p:nvPr/>
+        </p:nvSpPr>
+        <p:spPr>
+          <a:xfrm>
+            <a:off x="2196369" y="4481867"/>
+            <a:ext cx="8178999" cy="461665"/>
+          </a:xfrm>
+          <a:prstGeom prst="rect">
+            <a:avLst/>
+          </a:prstGeom>
+          <a:noFill/>
+        </p:spPr>
+        <p:txBody>
+          <a:bodyPr wrap="square" rtlCol="0">
+            <a:spAutoFit/>
+          </a:bodyPr>
+          <a:lstStyle/>
+          <a:p>
+            <a:pPr algn="ctr"/>
+            <a:r>
+              <a:rPr lang="en-GB" sz="2400" dirty="0">
+                <a:solidFill>
+                  <a:schemeClr val="bg1">
+                    <a:lumMod val="50000"/>
+                  </a:schemeClr>
+                </a:solidFill>
+                <a:latin typeface="Gill Sans MT" panose="020B0502020104020203" pitchFamily="34" charset="0"/>
+              </a:rPr>
+              <a:t>https://www.rstudio.com</a:t>
             </a:r>
           </a:p>
         </p:txBody>
@@ -9792,6 +9866,80 @@
           </a:p>
         </p:txBody>
       </p:sp>
+      <p:sp>
+        <p:nvSpPr>
+          <p:cNvPr id="3" name="TextBox 2"/>
+          <p:cNvSpPr txBox="1"/>
+          <p:nvPr/>
+        </p:nvSpPr>
+        <p:spPr>
+          <a:xfrm>
+            <a:off x="2196369" y="4481867"/>
+            <a:ext cx="8178999" cy="461665"/>
+          </a:xfrm>
+          <a:prstGeom prst="rect">
+            <a:avLst/>
+          </a:prstGeom>
+          <a:noFill/>
+        </p:spPr>
+        <p:txBody>
+          <a:bodyPr wrap="square" rtlCol="0">
+            <a:spAutoFit/>
+          </a:bodyPr>
+          <a:lstStyle/>
+          <a:p>
+            <a:pPr algn="ctr"/>
+            <a:r>
+              <a:rPr lang="en-GB" sz="2400" dirty="0">
+                <a:solidFill>
+                  <a:schemeClr val="bg1">
+                    <a:lumMod val="50000"/>
+                  </a:schemeClr>
+                </a:solidFill>
+                <a:latin typeface="Gill Sans MT" panose="020B0502020104020203" pitchFamily="34" charset="0"/>
+              </a:rPr>
+              <a:t>http://matplotlib.org</a:t>
+            </a:r>
+          </a:p>
+        </p:txBody>
+      </p:sp>
+      <p:sp>
+        <p:nvSpPr>
+          <p:cNvPr id="5" name="TextBox 4"/>
+          <p:cNvSpPr txBox="1"/>
+          <p:nvPr/>
+        </p:nvSpPr>
+        <p:spPr>
+          <a:xfrm>
+            <a:off x="2196368" y="4943532"/>
+            <a:ext cx="8178999" cy="461665"/>
+          </a:xfrm>
+          <a:prstGeom prst="rect">
+            <a:avLst/>
+          </a:prstGeom>
+          <a:noFill/>
+        </p:spPr>
+        <p:txBody>
+          <a:bodyPr wrap="square" rtlCol="0">
+            <a:spAutoFit/>
+          </a:bodyPr>
+          <a:lstStyle/>
+          <a:p>
+            <a:pPr algn="ctr"/>
+            <a:r>
+              <a:rPr lang="en-GB" sz="2400" dirty="0">
+                <a:solidFill>
+                  <a:schemeClr val="bg1">
+                    <a:lumMod val="50000"/>
+                  </a:schemeClr>
+                </a:solidFill>
+                <a:latin typeface="Gill Sans MT" panose="020B0502020104020203" pitchFamily="34" charset="0"/>
+              </a:rPr>
+              <a:t>http://stanford.edu/~mwaskom/software/seaborn</a:t>
+            </a:r>
+          </a:p>
+        </p:txBody>
+      </p:sp>
     </p:spTree>
     <p:extLst>
       <p:ext uri="{BB962C8B-B14F-4D97-AF65-F5344CB8AC3E}">
@@ -10252,6 +10400,43 @@
           </a:prstGeom>
         </p:spPr>
       </p:pic>
+      <p:sp>
+        <p:nvSpPr>
+          <p:cNvPr id="5" name="TextBox 4"/>
+          <p:cNvSpPr txBox="1"/>
+          <p:nvPr/>
+        </p:nvSpPr>
+        <p:spPr>
+          <a:xfrm>
+            <a:off x="2196367" y="5703559"/>
+            <a:ext cx="8178999" cy="461665"/>
+          </a:xfrm>
+          <a:prstGeom prst="rect">
+            <a:avLst/>
+          </a:prstGeom>
+          <a:noFill/>
+        </p:spPr>
+        <p:txBody>
+          <a:bodyPr wrap="square" rtlCol="0">
+            <a:spAutoFit/>
+          </a:bodyPr>
+          <a:lstStyle/>
+          <a:p>
+            <a:pPr algn="ctr"/>
+            <a:r>
+              <a:rPr lang="en-GB" sz="2400" dirty="0">
+                <a:solidFill>
+                  <a:schemeClr val="bg1">
+                    <a:lumMod val="50000"/>
+                  </a:schemeClr>
+                </a:solidFill>
+                <a:latin typeface="Gill Sans MT" panose="020B0502020104020203" pitchFamily="34" charset="0"/>
+              </a:rPr>
+              <a:t>http://jupyter.org</a:t>
+            </a:r>
+          </a:p>
+        </p:txBody>
+      </p:sp>
     </p:spTree>
     <p:extLst>
       <p:ext uri="{BB962C8B-B14F-4D97-AF65-F5344CB8AC3E}">
@@ -14373,7 +14558,7 @@
               <a:t>doi</a:t>
             </a:r>
             <a:r>
-              <a:rPr lang="en-GB" sz="2800" dirty="0">
+              <a:rPr lang="en-GB" sz="2800">
                 <a:solidFill>
                   <a:schemeClr val="bg1">
                     <a:lumMod val="50000"/>
@@ -14381,8 +14566,16 @@
                 </a:solidFill>
                 <a:latin typeface="Gill Sans MT" panose="020B0502020104020203" pitchFamily="34" charset="0"/>
               </a:rPr>
-              <a:t>: 10.6084/m9.figshare.3188422</a:t>
-            </a:r>
+              <a:t>: 10.6084/m9.figshare.3203929</a:t>
+            </a:r>
+            <a:endParaRPr lang="en-GB" sz="2800" dirty="0">
+              <a:solidFill>
+                <a:schemeClr val="bg1">
+                  <a:lumMod val="50000"/>
+                </a:schemeClr>
+              </a:solidFill>
+              <a:latin typeface="Gill Sans MT" panose="020B0502020104020203" pitchFamily="34" charset="0"/>
+            </a:endParaRPr>
           </a:p>
         </p:txBody>
       </p:sp>

--- a/PRESENTATIONS/Whitaker_PdocMasterClass_April2016.pptx
+++ b/PRESENTATIONS/Whitaker_PdocMasterClass_April2016.pptx
@@ -558,23 +558,6 @@
           <a:bodyPr/>
           <a:lstStyle/>
           <a:p>
-            <a:r>
-              <a:rPr lang="en-GB" dirty="0"/>
-              <a:t>Girls</a:t>
-            </a:r>
-            <a:r>
-              <a:rPr lang="en-GB" baseline="0" dirty="0"/>
-              <a:t> can’t do maths</a:t>
-            </a:r>
-          </a:p>
-          <a:p>
-            <a:endParaRPr lang="en-GB" baseline="0" dirty="0"/>
-          </a:p>
-          <a:p>
-            <a:r>
-              <a:rPr lang="en-GB" baseline="0" dirty="0"/>
-              <a:t>Give them a test of spatial rotation – boys do better.</a:t>
-            </a:r>
             <a:endParaRPr lang="en-GB" dirty="0"/>
           </a:p>
         </p:txBody>
@@ -995,23 +978,6 @@
           <a:bodyPr/>
           <a:lstStyle/>
           <a:p>
-            <a:r>
-              <a:rPr lang="en-GB" dirty="0"/>
-              <a:t>Girls</a:t>
-            </a:r>
-            <a:r>
-              <a:rPr lang="en-GB" baseline="0" dirty="0"/>
-              <a:t> can’t do maths</a:t>
-            </a:r>
-          </a:p>
-          <a:p>
-            <a:endParaRPr lang="en-GB" baseline="0" dirty="0"/>
-          </a:p>
-          <a:p>
-            <a:r>
-              <a:rPr lang="en-GB" baseline="0" dirty="0"/>
-              <a:t>Give them a test of spatial rotation – boys do better.</a:t>
-            </a:r>
             <a:endParaRPr lang="en-GB" dirty="0"/>
           </a:p>
         </p:txBody>
@@ -1096,23 +1062,6 @@
           <a:bodyPr/>
           <a:lstStyle/>
           <a:p>
-            <a:r>
-              <a:rPr lang="en-GB" dirty="0"/>
-              <a:t>Girls</a:t>
-            </a:r>
-            <a:r>
-              <a:rPr lang="en-GB" baseline="0" dirty="0"/>
-              <a:t> can’t do maths</a:t>
-            </a:r>
-          </a:p>
-          <a:p>
-            <a:endParaRPr lang="en-GB" baseline="0" dirty="0"/>
-          </a:p>
-          <a:p>
-            <a:r>
-              <a:rPr lang="en-GB" baseline="0" dirty="0"/>
-              <a:t>Give them a test of spatial rotation – boys do better.</a:t>
-            </a:r>
             <a:endParaRPr lang="en-GB" dirty="0"/>
           </a:p>
         </p:txBody>
@@ -1197,23 +1146,6 @@
           <a:bodyPr/>
           <a:lstStyle/>
           <a:p>
-            <a:r>
-              <a:rPr lang="en-GB" dirty="0"/>
-              <a:t>Girls</a:t>
-            </a:r>
-            <a:r>
-              <a:rPr lang="en-GB" baseline="0" dirty="0"/>
-              <a:t> can’t do maths</a:t>
-            </a:r>
-          </a:p>
-          <a:p>
-            <a:endParaRPr lang="en-GB" baseline="0" dirty="0"/>
-          </a:p>
-          <a:p>
-            <a:r>
-              <a:rPr lang="en-GB" baseline="0" dirty="0"/>
-              <a:t>Give them a test of spatial rotation – boys do better.</a:t>
-            </a:r>
             <a:endParaRPr lang="en-GB" dirty="0"/>
           </a:p>
         </p:txBody>
@@ -1298,23 +1230,6 @@
           <a:bodyPr/>
           <a:lstStyle/>
           <a:p>
-            <a:r>
-              <a:rPr lang="en-GB" dirty="0"/>
-              <a:t>Girls</a:t>
-            </a:r>
-            <a:r>
-              <a:rPr lang="en-GB" baseline="0" dirty="0"/>
-              <a:t> can’t do maths</a:t>
-            </a:r>
-          </a:p>
-          <a:p>
-            <a:endParaRPr lang="en-GB" baseline="0" dirty="0"/>
-          </a:p>
-          <a:p>
-            <a:r>
-              <a:rPr lang="en-GB" baseline="0" dirty="0"/>
-              <a:t>Give them a test of spatial rotation – boys do better.</a:t>
-            </a:r>
             <a:endParaRPr lang="en-GB" dirty="0"/>
           </a:p>
         </p:txBody>
@@ -1399,23 +1314,6 @@
           <a:bodyPr/>
           <a:lstStyle/>
           <a:p>
-            <a:r>
-              <a:rPr lang="en-GB" dirty="0"/>
-              <a:t>Girls</a:t>
-            </a:r>
-            <a:r>
-              <a:rPr lang="en-GB" baseline="0" dirty="0"/>
-              <a:t> can’t do maths</a:t>
-            </a:r>
-          </a:p>
-          <a:p>
-            <a:endParaRPr lang="en-GB" baseline="0" dirty="0"/>
-          </a:p>
-          <a:p>
-            <a:r>
-              <a:rPr lang="en-GB" baseline="0" dirty="0"/>
-              <a:t>Give them a test of spatial rotation – boys do better.</a:t>
-            </a:r>
             <a:endParaRPr lang="en-GB" dirty="0"/>
           </a:p>
         </p:txBody>
@@ -1500,23 +1398,6 @@
           <a:bodyPr/>
           <a:lstStyle/>
           <a:p>
-            <a:r>
-              <a:rPr lang="en-GB" dirty="0"/>
-              <a:t>Girls</a:t>
-            </a:r>
-            <a:r>
-              <a:rPr lang="en-GB" baseline="0" dirty="0"/>
-              <a:t> can’t do maths</a:t>
-            </a:r>
-          </a:p>
-          <a:p>
-            <a:endParaRPr lang="en-GB" baseline="0" dirty="0"/>
-          </a:p>
-          <a:p>
-            <a:r>
-              <a:rPr lang="en-GB" baseline="0" dirty="0"/>
-              <a:t>Give them a test of spatial rotation – boys do better.</a:t>
-            </a:r>
             <a:endParaRPr lang="en-GB" dirty="0"/>
           </a:p>
         </p:txBody>
@@ -1601,23 +1482,6 @@
           <a:bodyPr/>
           <a:lstStyle/>
           <a:p>
-            <a:r>
-              <a:rPr lang="en-GB" dirty="0"/>
-              <a:t>Girls</a:t>
-            </a:r>
-            <a:r>
-              <a:rPr lang="en-GB" baseline="0" dirty="0"/>
-              <a:t> can’t do maths</a:t>
-            </a:r>
-          </a:p>
-          <a:p>
-            <a:endParaRPr lang="en-GB" baseline="0" dirty="0"/>
-          </a:p>
-          <a:p>
-            <a:r>
-              <a:rPr lang="en-GB" baseline="0" dirty="0"/>
-              <a:t>Give them a test of spatial rotation – boys do better.</a:t>
-            </a:r>
             <a:endParaRPr lang="en-GB" dirty="0"/>
           </a:p>
         </p:txBody>
@@ -1702,23 +1566,6 @@
           <a:bodyPr/>
           <a:lstStyle/>
           <a:p>
-            <a:r>
-              <a:rPr lang="en-GB" dirty="0"/>
-              <a:t>Girls</a:t>
-            </a:r>
-            <a:r>
-              <a:rPr lang="en-GB" baseline="0" dirty="0"/>
-              <a:t> can’t do maths</a:t>
-            </a:r>
-          </a:p>
-          <a:p>
-            <a:endParaRPr lang="en-GB" baseline="0" dirty="0"/>
-          </a:p>
-          <a:p>
-            <a:r>
-              <a:rPr lang="en-GB" baseline="0" dirty="0"/>
-              <a:t>Give them a test of spatial rotation – boys do better.</a:t>
-            </a:r>
             <a:endParaRPr lang="en-GB" dirty="0"/>
           </a:p>
         </p:txBody>
@@ -1803,23 +1650,6 @@
           <a:bodyPr/>
           <a:lstStyle/>
           <a:p>
-            <a:r>
-              <a:rPr lang="en-GB" dirty="0"/>
-              <a:t>Girls</a:t>
-            </a:r>
-            <a:r>
-              <a:rPr lang="en-GB" baseline="0" dirty="0"/>
-              <a:t> can’t do maths</a:t>
-            </a:r>
-          </a:p>
-          <a:p>
-            <a:endParaRPr lang="en-GB" baseline="0" dirty="0"/>
-          </a:p>
-          <a:p>
-            <a:r>
-              <a:rPr lang="en-GB" baseline="0" dirty="0"/>
-              <a:t>Give them a test of spatial rotation – boys do better.</a:t>
-            </a:r>
             <a:endParaRPr lang="en-GB" dirty="0"/>
           </a:p>
         </p:txBody>
@@ -1904,23 +1734,6 @@
           <a:bodyPr/>
           <a:lstStyle/>
           <a:p>
-            <a:r>
-              <a:rPr lang="en-GB" dirty="0"/>
-              <a:t>Girls</a:t>
-            </a:r>
-            <a:r>
-              <a:rPr lang="en-GB" baseline="0" dirty="0"/>
-              <a:t> can’t do maths</a:t>
-            </a:r>
-          </a:p>
-          <a:p>
-            <a:endParaRPr lang="en-GB" baseline="0" dirty="0"/>
-          </a:p>
-          <a:p>
-            <a:r>
-              <a:rPr lang="en-GB" baseline="0" dirty="0"/>
-              <a:t>Give them a test of spatial rotation – boys do better.</a:t>
-            </a:r>
             <a:endParaRPr lang="en-GB" dirty="0"/>
           </a:p>
         </p:txBody>
@@ -2005,23 +1818,6 @@
           <a:bodyPr/>
           <a:lstStyle/>
           <a:p>
-            <a:r>
-              <a:rPr lang="en-GB" dirty="0"/>
-              <a:t>Girls</a:t>
-            </a:r>
-            <a:r>
-              <a:rPr lang="en-GB" baseline="0" dirty="0"/>
-              <a:t> can’t do maths</a:t>
-            </a:r>
-          </a:p>
-          <a:p>
-            <a:endParaRPr lang="en-GB" baseline="0" dirty="0"/>
-          </a:p>
-          <a:p>
-            <a:r>
-              <a:rPr lang="en-GB" baseline="0" dirty="0"/>
-              <a:t>Give them a test of spatial rotation – boys do better.</a:t>
-            </a:r>
             <a:endParaRPr lang="en-GB" dirty="0"/>
           </a:p>
         </p:txBody>
@@ -2364,23 +2160,6 @@
           <a:bodyPr/>
           <a:lstStyle/>
           <a:p>
-            <a:r>
-              <a:rPr lang="en-GB" dirty="0"/>
-              <a:t>Girls</a:t>
-            </a:r>
-            <a:r>
-              <a:rPr lang="en-GB" baseline="0" dirty="0"/>
-              <a:t> can’t do maths</a:t>
-            </a:r>
-          </a:p>
-          <a:p>
-            <a:endParaRPr lang="en-GB" baseline="0" dirty="0"/>
-          </a:p>
-          <a:p>
-            <a:r>
-              <a:rPr lang="en-GB" baseline="0" dirty="0"/>
-              <a:t>Give them a test of spatial rotation – boys do better.</a:t>
-            </a:r>
             <a:endParaRPr lang="en-GB" dirty="0"/>
           </a:p>
         </p:txBody>
@@ -2465,23 +2244,6 @@
           <a:bodyPr/>
           <a:lstStyle/>
           <a:p>
-            <a:r>
-              <a:rPr lang="en-GB" dirty="0"/>
-              <a:t>Girls</a:t>
-            </a:r>
-            <a:r>
-              <a:rPr lang="en-GB" baseline="0" dirty="0"/>
-              <a:t> can’t do maths</a:t>
-            </a:r>
-          </a:p>
-          <a:p>
-            <a:endParaRPr lang="en-GB" baseline="0" dirty="0"/>
-          </a:p>
-          <a:p>
-            <a:r>
-              <a:rPr lang="en-GB" baseline="0" dirty="0"/>
-              <a:t>Give them a test of spatial rotation – boys do better.</a:t>
-            </a:r>
             <a:endParaRPr lang="en-GB" dirty="0"/>
           </a:p>
         </p:txBody>
@@ -2566,23 +2328,6 @@
           <a:bodyPr/>
           <a:lstStyle/>
           <a:p>
-            <a:r>
-              <a:rPr lang="en-GB" dirty="0"/>
-              <a:t>Girls</a:t>
-            </a:r>
-            <a:r>
-              <a:rPr lang="en-GB" baseline="0" dirty="0"/>
-              <a:t> can’t do maths</a:t>
-            </a:r>
-          </a:p>
-          <a:p>
-            <a:endParaRPr lang="en-GB" baseline="0" dirty="0"/>
-          </a:p>
-          <a:p>
-            <a:r>
-              <a:rPr lang="en-GB" baseline="0" dirty="0"/>
-              <a:t>Give them a test of spatial rotation – boys do better.</a:t>
-            </a:r>
             <a:endParaRPr lang="en-GB" dirty="0"/>
           </a:p>
         </p:txBody>
@@ -2667,23 +2412,6 @@
           <a:bodyPr/>
           <a:lstStyle/>
           <a:p>
-            <a:r>
-              <a:rPr lang="en-GB" dirty="0"/>
-              <a:t>Girls</a:t>
-            </a:r>
-            <a:r>
-              <a:rPr lang="en-GB" baseline="0" dirty="0"/>
-              <a:t> can’t do maths</a:t>
-            </a:r>
-          </a:p>
-          <a:p>
-            <a:endParaRPr lang="en-GB" baseline="0" dirty="0"/>
-          </a:p>
-          <a:p>
-            <a:r>
-              <a:rPr lang="en-GB" baseline="0" dirty="0"/>
-              <a:t>Give them a test of spatial rotation – boys do better.</a:t>
-            </a:r>
             <a:endParaRPr lang="en-GB" dirty="0"/>
           </a:p>
         </p:txBody>
